--- a/P3/Playground/Final_Employee_management_system_Popa_Ioan-Ciprian.pptx
+++ b/P3/Playground/Final_Employee_management_system_Popa_Ioan-Ciprian.pptx
@@ -220,7 +220,7 @@
           <a:p>
             <a:fld id="{4AAAF045-FEF6-43EA-9CDC-C84FC3F85E9C}" type="datetimeFigureOut">
               <a:rPr lang="en-US" smtClean="0"/>
-              <a:t>1/13/2024</a:t>
+              <a:t>1/15/2024</a:t>
             </a:fld>
             <a:endParaRPr lang="en-US"/>
           </a:p>
@@ -13423,8 +13423,8 @@
         </p:nvSpPr>
         <p:spPr>
           <a:xfrm>
-            <a:off x="3337574" y="2873655"/>
-            <a:ext cx="2411120" cy="461665"/>
+            <a:off x="3337573" y="2873655"/>
+            <a:ext cx="2968973" cy="461665"/>
           </a:xfrm>
           <a:prstGeom prst="rect">
             <a:avLst/>
@@ -13438,13 +13438,14 @@
           <a:lstStyle/>
           <a:p>
             <a:r>
-              <a:rPr lang="en-US" sz="2400" dirty="0">
+              <a:rPr lang="en-US" sz="2400" b="0" i="0" dirty="0">
                 <a:solidFill>
                   <a:schemeClr val="bg1"/>
                 </a:solidFill>
+                <a:effectLst/>
                 <a:latin typeface="Roboto" panose="020B0604020202020204" pitchFamily="2" charset="0"/>
               </a:rPr>
-              <a:t>C</a:t>
+              <a:t>For each </a:t>
             </a:r>
             <a:r>
               <a:rPr lang="ro-RO" sz="2400" b="0" i="0" dirty="0">
@@ -13455,16 +13456,6 @@
                 <a:latin typeface="Roboto" panose="020B0604020202020204" pitchFamily="2" charset="0"/>
               </a:rPr>
               <a:t>onstructor</a:t>
-            </a:r>
-            <a:r>
-              <a:rPr lang="en-US" sz="2400" b="0" i="0" dirty="0">
-                <a:solidFill>
-                  <a:schemeClr val="bg1"/>
-                </a:solidFill>
-                <a:effectLst/>
-                <a:latin typeface="Roboto" panose="020B0604020202020204" pitchFamily="2" charset="0"/>
-              </a:rPr>
-              <a:t>s</a:t>
             </a:r>
             <a:endParaRPr lang="ko-KR" altLang="en-US" sz="2400" b="1" dirty="0">
               <a:solidFill>
